--- a/samples/speakernote_test.pptx
+++ b/samples/speakernote_test.pptx
@@ -545,8 +545,12 @@
           <a:lstStyle/>
           <a:p>
             <a:r>
-              <a:rPr kumimoji="1" lang="ja-JP" altLang="en-US"/>
-              <a:t>このページはタイトルスライドです。スライドはテスト用</a:t>
+              <a:rPr kumimoji="1" lang="en-US" altLang="ja-JP" dirty="0"/>
+              <a:t>Speaker note </a:t>
+            </a:r>
+            <a:r>
+              <a:rPr kumimoji="1" lang="ja-JP" altLang="en-US"/>
+              <a:t>です。このページはタイトルスライドです。スライドはテスト用</a:t>
             </a:r>
             <a:r>
               <a:rPr kumimoji="1" lang="en-US" altLang="ja-JP" dirty="0"/>
@@ -654,8 +658,12 @@
           <a:lstStyle/>
           <a:p>
             <a:r>
-              <a:rPr kumimoji="1" lang="ja-JP" altLang="en-US"/>
-              <a:t>ページ</a:t>
+              <a:rPr kumimoji="1" lang="en-US" altLang="ja-JP" dirty="0"/>
+              <a:t>Speaker note </a:t>
+            </a:r>
+            <a:r>
+              <a:rPr kumimoji="1" lang="ja-JP" altLang="en-US"/>
+              <a:t>です。ページ</a:t>
             </a:r>
             <a:r>
               <a:rPr kumimoji="1" lang="en-US" altLang="ja-JP" dirty="0"/>
@@ -775,8 +783,12 @@
           <a:lstStyle/>
           <a:p>
             <a:r>
-              <a:rPr kumimoji="1" lang="ja-JP" altLang="en-US"/>
-              <a:t>ページ</a:t>
+              <a:rPr kumimoji="1" lang="en-US" altLang="ja-JP" dirty="0"/>
+              <a:t>Speaker note </a:t>
+            </a:r>
+            <a:r>
+              <a:rPr kumimoji="1" lang="ja-JP" altLang="en-US"/>
+              <a:t>です。ページ</a:t>
             </a:r>
             <a:r>
               <a:rPr kumimoji="1" lang="en-US" altLang="ja-JP" dirty="0"/>
